--- a/docs/Group8_CV_project_presentation.pptx
+++ b/docs/Group8_CV_project_presentation.pptx
@@ -5,14 +5,15 @@
     <p:sldMasterId id="2147483660" r:id="rId1"/>
   </p:sldMasterIdLst>
   <p:notesMasterIdLst>
-    <p:notesMasterId r:id="rId7"/>
+    <p:notesMasterId r:id="rId8"/>
   </p:notesMasterIdLst>
   <p:sldIdLst>
     <p:sldId id="259" r:id="rId2"/>
     <p:sldId id="256" r:id="rId3"/>
     <p:sldId id="265" r:id="rId4"/>
     <p:sldId id="257" r:id="rId5"/>
-    <p:sldId id="264" r:id="rId6"/>
+    <p:sldId id="266" r:id="rId6"/>
+    <p:sldId id="264" r:id="rId7"/>
   </p:sldIdLst>
   <p:sldSz cx="17338675" cy="9753600"/>
   <p:notesSz cx="6858000" cy="9144000"/>
@@ -524,7 +525,7 @@
           <a:bodyPr/>
           <a:lstStyle/>
           <a:p>
-            <a:endParaRPr lang="nl-NL"/>
+            <a:endParaRPr lang="nl-NL" dirty="0"/>
           </a:p>
         </p:txBody>
       </p:sp>
@@ -547,7 +548,7 @@
               <a:rPr lang="en-GB" smtClean="0"/>
               <a:t>1</a:t>
             </a:fld>
-            <a:endParaRPr lang="en-GB"/>
+            <a:endParaRPr lang="en-GB" dirty="0"/>
           </a:p>
         </p:txBody>
       </p:sp>
@@ -4043,13 +4044,42 @@
           <a:lstStyle/>
           <a:p>
             <a:r>
-              <a:rPr lang="nl-BE" dirty="0" err="1"/>
+              <a:rPr lang="en-US" dirty="0"/>
               <a:t>Introduction</a:t>
             </a:r>
-            <a:endParaRPr lang="nl-BE" dirty="0"/>
-          </a:p>
-          <a:p>
-            <a:endParaRPr lang="nl-BE"/>
+          </a:p>
+          <a:p>
+            <a:r>
+              <a:rPr lang="en-US" dirty="0"/>
+              <a:t>Detection</a:t>
+            </a:r>
+          </a:p>
+          <a:p>
+            <a:r>
+              <a:rPr lang="en-US" dirty="0"/>
+              <a:t>Matching</a:t>
+            </a:r>
+          </a:p>
+          <a:p>
+            <a:r>
+              <a:rPr lang="en-US" dirty="0"/>
+              <a:t>Localization </a:t>
+            </a:r>
+          </a:p>
+          <a:p>
+            <a:r>
+              <a:rPr lang="en-US" dirty="0"/>
+              <a:t>Demonstration</a:t>
+            </a:r>
+          </a:p>
+          <a:p>
+            <a:r>
+              <a:rPr lang="en-US" dirty="0"/>
+              <a:t>Questions</a:t>
+            </a:r>
+          </a:p>
+          <a:p>
+            <a:endParaRPr lang="en-US" dirty="0"/>
           </a:p>
         </p:txBody>
       </p:sp>
@@ -4127,7 +4157,10 @@
           <a:bodyPr/>
           <a:lstStyle/>
           <a:p>
-            <a:endParaRPr lang="en-GB"/>
+            <a:r>
+              <a:rPr lang="en-GB" dirty="0"/>
+              <a:t>Introduction</a:t>
+            </a:r>
           </a:p>
         </p:txBody>
       </p:sp>
@@ -4189,6 +4222,118 @@
 </file>
 
 <file path=ppt/slides/slide5.xml><?xml version="1.0" encoding="utf-8"?>
+<p:sld xmlns:a="http://schemas.openxmlformats.org/drawingml/2006/main" xmlns:r="http://schemas.openxmlformats.org/officeDocument/2006/relationships" xmlns:p="http://schemas.openxmlformats.org/presentationml/2006/main">
+  <p:cSld>
+    <p:spTree>
+      <p:nvGrpSpPr>
+        <p:cNvPr id="1" name=""/>
+        <p:cNvGrpSpPr/>
+        <p:nvPr/>
+      </p:nvGrpSpPr>
+      <p:grpSpPr>
+        <a:xfrm>
+          <a:off x="0" y="0"/>
+          <a:ext cx="0" cy="0"/>
+          <a:chOff x="0" y="0"/>
+          <a:chExt cx="0" cy="0"/>
+        </a:xfrm>
+      </p:grpSpPr>
+      <p:sp>
+        <p:nvSpPr>
+          <p:cNvPr id="2" name="Titel 1">
+            <a:extLst>
+              <a:ext uri="{FF2B5EF4-FFF2-40B4-BE49-F238E27FC236}">
+                <a16:creationId xmlns:a16="http://schemas.microsoft.com/office/drawing/2014/main" id="{4DF6A7E2-23F1-248D-EF1A-D252654E4D1A}"/>
+              </a:ext>
+            </a:extLst>
+          </p:cNvPr>
+          <p:cNvSpPr>
+            <a:spLocks noGrp="1"/>
+          </p:cNvSpPr>
+          <p:nvPr>
+            <p:ph type="title"/>
+          </p:nvPr>
+        </p:nvSpPr>
+        <p:spPr/>
+        <p:txBody>
+          <a:bodyPr/>
+          <a:lstStyle/>
+          <a:p>
+            <a:r>
+              <a:rPr lang="en-US" dirty="0"/>
+              <a:t>Detection</a:t>
+            </a:r>
+          </a:p>
+        </p:txBody>
+      </p:sp>
+      <p:sp>
+        <p:nvSpPr>
+          <p:cNvPr id="3" name="Tijdelijke aanduiding voor inhoud 2">
+            <a:extLst>
+              <a:ext uri="{FF2B5EF4-FFF2-40B4-BE49-F238E27FC236}">
+                <a16:creationId xmlns:a16="http://schemas.microsoft.com/office/drawing/2014/main" id="{79B3E1B6-5514-FBCC-81F4-FE3B31554212}"/>
+              </a:ext>
+            </a:extLst>
+          </p:cNvPr>
+          <p:cNvSpPr>
+            <a:spLocks noGrp="1"/>
+          </p:cNvSpPr>
+          <p:nvPr>
+            <p:ph idx="1"/>
+          </p:nvPr>
+        </p:nvSpPr>
+        <p:spPr/>
+        <p:txBody>
+          <a:bodyPr/>
+          <a:lstStyle/>
+          <a:p>
+            <a:endParaRPr lang="en-US"/>
+          </a:p>
+        </p:txBody>
+      </p:sp>
+      <p:sp>
+        <p:nvSpPr>
+          <p:cNvPr id="4" name="Tijdelijke aanduiding voor dianummer 3">
+            <a:extLst>
+              <a:ext uri="{FF2B5EF4-FFF2-40B4-BE49-F238E27FC236}">
+                <a16:creationId xmlns:a16="http://schemas.microsoft.com/office/drawing/2014/main" id="{2F8AC2BC-E97F-E0B8-EDBF-6DEBB43F056C}"/>
+              </a:ext>
+            </a:extLst>
+          </p:cNvPr>
+          <p:cNvSpPr>
+            <a:spLocks noGrp="1"/>
+          </p:cNvSpPr>
+          <p:nvPr>
+            <p:ph type="sldNum" sz="quarter" idx="12"/>
+          </p:nvPr>
+        </p:nvSpPr>
+        <p:spPr/>
+        <p:txBody>
+          <a:bodyPr/>
+          <a:lstStyle/>
+          <a:p>
+            <a:fld id="{7AE184E0-0BD4-4705-A12B-9B71DDE63301}" type="slidenum">
+              <a:rPr lang="en-GB" noProof="0" smtClean="0"/>
+              <a:t>5</a:t>
+            </a:fld>
+            <a:endParaRPr lang="en-GB" noProof="0" dirty="0"/>
+          </a:p>
+        </p:txBody>
+      </p:sp>
+    </p:spTree>
+    <p:extLst>
+      <p:ext uri="{BB962C8B-B14F-4D97-AF65-F5344CB8AC3E}">
+        <p14:creationId xmlns:p14="http://schemas.microsoft.com/office/powerpoint/2010/main" val="244908495"/>
+      </p:ext>
+    </p:extLst>
+  </p:cSld>
+  <p:clrMapOvr>
+    <a:masterClrMapping/>
+  </p:clrMapOvr>
+</p:sld>
+</file>
+
+<file path=ppt/slides/slide6.xml><?xml version="1.0" encoding="utf-8"?>
 <p:sld xmlns:a="http://schemas.openxmlformats.org/drawingml/2006/main" xmlns:r="http://schemas.openxmlformats.org/officeDocument/2006/relationships" xmlns:p="http://schemas.openxmlformats.org/presentationml/2006/main">
   <p:cSld>
     <p:spTree>
